--- a/material/c4_pipleline.pptx
+++ b/material/c4_pipleline.pptx
@@ -11,6 +11,9 @@
     <p:sldId id="259" r:id="rId5"/>
     <p:sldId id="260" r:id="rId6"/>
     <p:sldId id="261" r:id="rId7"/>
+    <p:sldId id="262" r:id="rId8"/>
+    <p:sldId id="263" r:id="rId9"/>
+    <p:sldId id="264" r:id="rId10"/>
   </p:sldIdLst>
   <p:sldSz cx="12192000" cy="6858000"/>
   <p:notesSz cx="6858000" cy="9144000"/>
@@ -264,7 +267,7 @@
           <a:p>
             <a:fld id="{9DFAF481-797C-48CF-BF6C-BC4FAEF2F7F1}" type="datetimeFigureOut">
               <a:rPr lang="zh-CN" altLang="en-US" smtClean="0"/>
-              <a:t>2018/2/21</a:t>
+              <a:t>2018/2/22</a:t>
             </a:fld>
             <a:endParaRPr lang="zh-CN" altLang="en-US"/>
           </a:p>
@@ -462,7 +465,7 @@
           <a:p>
             <a:fld id="{9DFAF481-797C-48CF-BF6C-BC4FAEF2F7F1}" type="datetimeFigureOut">
               <a:rPr lang="zh-CN" altLang="en-US" smtClean="0"/>
-              <a:t>2018/2/21</a:t>
+              <a:t>2018/2/22</a:t>
             </a:fld>
             <a:endParaRPr lang="zh-CN" altLang="en-US"/>
           </a:p>
@@ -670,7 +673,7 @@
           <a:p>
             <a:fld id="{9DFAF481-797C-48CF-BF6C-BC4FAEF2F7F1}" type="datetimeFigureOut">
               <a:rPr lang="zh-CN" altLang="en-US" smtClean="0"/>
-              <a:t>2018/2/21</a:t>
+              <a:t>2018/2/22</a:t>
             </a:fld>
             <a:endParaRPr lang="zh-CN" altLang="en-US"/>
           </a:p>
@@ -868,7 +871,7 @@
           <a:p>
             <a:fld id="{9DFAF481-797C-48CF-BF6C-BC4FAEF2F7F1}" type="datetimeFigureOut">
               <a:rPr lang="zh-CN" altLang="en-US" smtClean="0"/>
-              <a:t>2018/2/21</a:t>
+              <a:t>2018/2/22</a:t>
             </a:fld>
             <a:endParaRPr lang="zh-CN" altLang="en-US"/>
           </a:p>
@@ -1143,7 +1146,7 @@
           <a:p>
             <a:fld id="{9DFAF481-797C-48CF-BF6C-BC4FAEF2F7F1}" type="datetimeFigureOut">
               <a:rPr lang="zh-CN" altLang="en-US" smtClean="0"/>
-              <a:t>2018/2/21</a:t>
+              <a:t>2018/2/22</a:t>
             </a:fld>
             <a:endParaRPr lang="zh-CN" altLang="en-US"/>
           </a:p>
@@ -1408,7 +1411,7 @@
           <a:p>
             <a:fld id="{9DFAF481-797C-48CF-BF6C-BC4FAEF2F7F1}" type="datetimeFigureOut">
               <a:rPr lang="zh-CN" altLang="en-US" smtClean="0"/>
-              <a:t>2018/2/21</a:t>
+              <a:t>2018/2/22</a:t>
             </a:fld>
             <a:endParaRPr lang="zh-CN" altLang="en-US"/>
           </a:p>
@@ -1820,7 +1823,7 @@
           <a:p>
             <a:fld id="{9DFAF481-797C-48CF-BF6C-BC4FAEF2F7F1}" type="datetimeFigureOut">
               <a:rPr lang="zh-CN" altLang="en-US" smtClean="0"/>
-              <a:t>2018/2/21</a:t>
+              <a:t>2018/2/22</a:t>
             </a:fld>
             <a:endParaRPr lang="zh-CN" altLang="en-US"/>
           </a:p>
@@ -1961,7 +1964,7 @@
           <a:p>
             <a:fld id="{9DFAF481-797C-48CF-BF6C-BC4FAEF2F7F1}" type="datetimeFigureOut">
               <a:rPr lang="zh-CN" altLang="en-US" smtClean="0"/>
-              <a:t>2018/2/21</a:t>
+              <a:t>2018/2/22</a:t>
             </a:fld>
             <a:endParaRPr lang="zh-CN" altLang="en-US"/>
           </a:p>
@@ -2074,7 +2077,7 @@
           <a:p>
             <a:fld id="{9DFAF481-797C-48CF-BF6C-BC4FAEF2F7F1}" type="datetimeFigureOut">
               <a:rPr lang="zh-CN" altLang="en-US" smtClean="0"/>
-              <a:t>2018/2/21</a:t>
+              <a:t>2018/2/22</a:t>
             </a:fld>
             <a:endParaRPr lang="zh-CN" altLang="en-US"/>
           </a:p>
@@ -2385,7 +2388,7 @@
           <a:p>
             <a:fld id="{9DFAF481-797C-48CF-BF6C-BC4FAEF2F7F1}" type="datetimeFigureOut">
               <a:rPr lang="zh-CN" altLang="en-US" smtClean="0"/>
-              <a:t>2018/2/21</a:t>
+              <a:t>2018/2/22</a:t>
             </a:fld>
             <a:endParaRPr lang="zh-CN" altLang="en-US"/>
           </a:p>
@@ -2673,7 +2676,7 @@
           <a:p>
             <a:fld id="{9DFAF481-797C-48CF-BF6C-BC4FAEF2F7F1}" type="datetimeFigureOut">
               <a:rPr lang="zh-CN" altLang="en-US" smtClean="0"/>
-              <a:t>2018/2/21</a:t>
+              <a:t>2018/2/22</a:t>
             </a:fld>
             <a:endParaRPr lang="zh-CN" altLang="en-US"/>
           </a:p>
@@ -2914,7 +2917,7 @@
           <a:p>
             <a:fld id="{9DFAF481-797C-48CF-BF6C-BC4FAEF2F7F1}" type="datetimeFigureOut">
               <a:rPr lang="zh-CN" altLang="en-US" smtClean="0"/>
-              <a:t>2018/2/21</a:t>
+              <a:t>2018/2/22</a:t>
             </a:fld>
             <a:endParaRPr lang="zh-CN" altLang="en-US"/>
           </a:p>
@@ -3663,42 +3666,6 @@
       </p:grpSpPr>
       <p:pic>
         <p:nvPicPr>
-          <p:cNvPr id="2" name="图片 1">
-            <a:extLst>
-              <a:ext uri="{FF2B5EF4-FFF2-40B4-BE49-F238E27FC236}">
-                <a16:creationId xmlns:a16="http://schemas.microsoft.com/office/drawing/2014/main" id="{3CCADE27-CE0B-41D7-826D-9778096A9CDC}"/>
-              </a:ext>
-            </a:extLst>
-          </p:cNvPr>
-          <p:cNvPicPr>
-            <a:picLocks noChangeAspect="1"/>
-          </p:cNvPicPr>
-          <p:nvPr/>
-        </p:nvPicPr>
-        <p:blipFill>
-          <a:blip r:embed="rId2">
-            <a:extLst>
-              <a:ext uri="{28A0092B-C50C-407E-A947-70E740481C1C}">
-                <a14:useLocalDpi xmlns:a14="http://schemas.microsoft.com/office/drawing/2010/main" val="0"/>
-              </a:ext>
-            </a:extLst>
-          </a:blip>
-          <a:stretch>
-            <a:fillRect/>
-          </a:stretch>
-        </p:blipFill>
-        <p:spPr>
-          <a:xfrm>
-            <a:off x="6375470" y="1653540"/>
-            <a:ext cx="4472442" cy="3659988"/>
-          </a:xfrm>
-          <a:prstGeom prst="rect">
-            <a:avLst/>
-          </a:prstGeom>
-        </p:spPr>
-      </p:pic>
-      <p:pic>
-        <p:nvPicPr>
           <p:cNvPr id="3" name="图片 2">
             <a:extLst>
               <a:ext uri="{FF2B5EF4-FFF2-40B4-BE49-F238E27FC236}">
@@ -3712,7 +3679,7 @@
           <p:nvPr/>
         </p:nvPicPr>
         <p:blipFill rotWithShape="1">
-          <a:blip r:embed="rId3">
+          <a:blip r:embed="rId2">
             <a:extLst>
               <a:ext uri="{28A0092B-C50C-407E-A947-70E740481C1C}">
                 <a14:useLocalDpi xmlns:a14="http://schemas.microsoft.com/office/drawing/2010/main" val="0"/>
@@ -3732,10 +3699,1934 @@
           </a:prstGeom>
         </p:spPr>
       </p:pic>
+      <p:grpSp>
+        <p:nvGrpSpPr>
+          <p:cNvPr id="7" name="组合 6">
+            <a:extLst>
+              <a:ext uri="{FF2B5EF4-FFF2-40B4-BE49-F238E27FC236}">
+                <a16:creationId xmlns:a16="http://schemas.microsoft.com/office/drawing/2014/main" id="{D7A89250-F31E-48FC-A286-3DF3F6ACF563}"/>
+              </a:ext>
+            </a:extLst>
+          </p:cNvPr>
+          <p:cNvGrpSpPr/>
+          <p:nvPr/>
+        </p:nvGrpSpPr>
+        <p:grpSpPr>
+          <a:xfrm>
+            <a:off x="6375470" y="1653540"/>
+            <a:ext cx="4472442" cy="3659988"/>
+            <a:chOff x="6375470" y="1653540"/>
+            <a:chExt cx="4472442" cy="3659988"/>
+          </a:xfrm>
+        </p:grpSpPr>
+        <p:pic>
+          <p:nvPicPr>
+            <p:cNvPr id="2" name="图片 1">
+              <a:extLst>
+                <a:ext uri="{FF2B5EF4-FFF2-40B4-BE49-F238E27FC236}">
+                  <a16:creationId xmlns:a16="http://schemas.microsoft.com/office/drawing/2014/main" id="{3CCADE27-CE0B-41D7-826D-9778096A9CDC}"/>
+                </a:ext>
+              </a:extLst>
+            </p:cNvPr>
+            <p:cNvPicPr>
+              <a:picLocks noChangeAspect="1"/>
+            </p:cNvPicPr>
+            <p:nvPr/>
+          </p:nvPicPr>
+          <p:blipFill>
+            <a:blip r:embed="rId3">
+              <a:extLst>
+                <a:ext uri="{28A0092B-C50C-407E-A947-70E740481C1C}">
+                  <a14:useLocalDpi xmlns:a14="http://schemas.microsoft.com/office/drawing/2010/main" val="0"/>
+                </a:ext>
+              </a:extLst>
+            </a:blip>
+            <a:stretch>
+              <a:fillRect/>
+            </a:stretch>
+          </p:blipFill>
+          <p:spPr>
+            <a:xfrm>
+              <a:off x="6375470" y="1653540"/>
+              <a:ext cx="4472442" cy="3659988"/>
+            </a:xfrm>
+            <a:prstGeom prst="rect">
+              <a:avLst/>
+            </a:prstGeom>
+          </p:spPr>
+        </p:pic>
+        <p:sp>
+          <p:nvSpPr>
+            <p:cNvPr id="4" name="矩形 3">
+              <a:extLst>
+                <a:ext uri="{FF2B5EF4-FFF2-40B4-BE49-F238E27FC236}">
+                  <a16:creationId xmlns:a16="http://schemas.microsoft.com/office/drawing/2014/main" id="{2951C608-160A-4395-99EA-03EDE76B3CC2}"/>
+                </a:ext>
+              </a:extLst>
+            </p:cNvPr>
+            <p:cNvSpPr/>
+            <p:nvPr/>
+          </p:nvSpPr>
+          <p:spPr>
+            <a:xfrm>
+              <a:off x="8094090" y="3209213"/>
+              <a:ext cx="2712456" cy="567139"/>
+            </a:xfrm>
+            <a:prstGeom prst="rect">
+              <a:avLst/>
+            </a:prstGeom>
+            <a:noFill/>
+            <a:ln w="31750">
+              <a:solidFill>
+                <a:srgbClr val="FF0000"/>
+              </a:solidFill>
+            </a:ln>
+          </p:spPr>
+          <p:style>
+            <a:lnRef idx="2">
+              <a:schemeClr val="accent1">
+                <a:shade val="50000"/>
+              </a:schemeClr>
+            </a:lnRef>
+            <a:fillRef idx="1">
+              <a:schemeClr val="accent1"/>
+            </a:fillRef>
+            <a:effectRef idx="0">
+              <a:schemeClr val="accent1"/>
+            </a:effectRef>
+            <a:fontRef idx="minor">
+              <a:schemeClr val="lt1"/>
+            </a:fontRef>
+          </p:style>
+          <p:txBody>
+            <a:bodyPr rtlCol="0" anchor="ctr"/>
+            <a:lstStyle/>
+            <a:p>
+              <a:pPr algn="ctr"/>
+              <a:endParaRPr lang="zh-CN" altLang="en-US"/>
+            </a:p>
+          </p:txBody>
+        </p:sp>
+        <p:sp>
+          <p:nvSpPr>
+            <p:cNvPr id="5" name="矩形 4">
+              <a:extLst>
+                <a:ext uri="{FF2B5EF4-FFF2-40B4-BE49-F238E27FC236}">
+                  <a16:creationId xmlns:a16="http://schemas.microsoft.com/office/drawing/2014/main" id="{07300BE0-DFC9-42A5-B76B-E526B1865292}"/>
+                </a:ext>
+              </a:extLst>
+            </p:cNvPr>
+            <p:cNvSpPr/>
+            <p:nvPr/>
+          </p:nvSpPr>
+          <p:spPr>
+            <a:xfrm>
+              <a:off x="8383978" y="3776353"/>
+              <a:ext cx="2422567" cy="475014"/>
+            </a:xfrm>
+            <a:prstGeom prst="rect">
+              <a:avLst/>
+            </a:prstGeom>
+            <a:noFill/>
+            <a:ln w="31750">
+              <a:solidFill>
+                <a:srgbClr val="FF0000"/>
+              </a:solidFill>
+            </a:ln>
+          </p:spPr>
+          <p:style>
+            <a:lnRef idx="2">
+              <a:schemeClr val="accent1">
+                <a:shade val="50000"/>
+              </a:schemeClr>
+            </a:lnRef>
+            <a:fillRef idx="1">
+              <a:schemeClr val="accent1"/>
+            </a:fillRef>
+            <a:effectRef idx="0">
+              <a:schemeClr val="accent1"/>
+            </a:effectRef>
+            <a:fontRef idx="minor">
+              <a:schemeClr val="lt1"/>
+            </a:fontRef>
+          </p:style>
+          <p:txBody>
+            <a:bodyPr rtlCol="0" anchor="ctr"/>
+            <a:lstStyle/>
+            <a:p>
+              <a:pPr algn="ctr"/>
+              <a:endParaRPr lang="zh-CN" altLang="en-US"/>
+            </a:p>
+          </p:txBody>
+        </p:sp>
+        <p:sp>
+          <p:nvSpPr>
+            <p:cNvPr id="6" name="矩形 5">
+              <a:extLst>
+                <a:ext uri="{FF2B5EF4-FFF2-40B4-BE49-F238E27FC236}">
+                  <a16:creationId xmlns:a16="http://schemas.microsoft.com/office/drawing/2014/main" id="{29533B3F-A7D2-472C-AFA2-66831E72FC3F}"/>
+                </a:ext>
+              </a:extLst>
+            </p:cNvPr>
+            <p:cNvSpPr/>
+            <p:nvPr/>
+          </p:nvSpPr>
+          <p:spPr>
+            <a:xfrm>
+              <a:off x="8502732" y="4239491"/>
+              <a:ext cx="2303812" cy="567140"/>
+            </a:xfrm>
+            <a:prstGeom prst="rect">
+              <a:avLst/>
+            </a:prstGeom>
+            <a:noFill/>
+            <a:ln w="31750">
+              <a:solidFill>
+                <a:srgbClr val="FF0000"/>
+              </a:solidFill>
+            </a:ln>
+          </p:spPr>
+          <p:style>
+            <a:lnRef idx="2">
+              <a:schemeClr val="accent1">
+                <a:shade val="50000"/>
+              </a:schemeClr>
+            </a:lnRef>
+            <a:fillRef idx="1">
+              <a:schemeClr val="accent1"/>
+            </a:fillRef>
+            <a:effectRef idx="0">
+              <a:schemeClr val="accent1"/>
+            </a:effectRef>
+            <a:fontRef idx="minor">
+              <a:schemeClr val="lt1"/>
+            </a:fontRef>
+          </p:style>
+          <p:txBody>
+            <a:bodyPr rtlCol="0" anchor="ctr"/>
+            <a:lstStyle/>
+            <a:p>
+              <a:pPr algn="ctr"/>
+              <a:endParaRPr lang="zh-CN" altLang="en-US"/>
+            </a:p>
+          </p:txBody>
+        </p:sp>
+      </p:grpSp>
     </p:spTree>
     <p:extLst>
       <p:ext uri="{BB962C8B-B14F-4D97-AF65-F5344CB8AC3E}">
         <p14:creationId xmlns:p14="http://schemas.microsoft.com/office/powerpoint/2010/main" val="420502403"/>
+      </p:ext>
+    </p:extLst>
+  </p:cSld>
+  <p:clrMapOvr>
+    <a:masterClrMapping/>
+  </p:clrMapOvr>
+</p:sld>
+</file>
+
+<file path=ppt/slides/slide7.xml><?xml version="1.0" encoding="utf-8"?>
+<p:sld xmlns:a="http://schemas.openxmlformats.org/drawingml/2006/main" xmlns:r="http://schemas.openxmlformats.org/officeDocument/2006/relationships" xmlns:p="http://schemas.openxmlformats.org/presentationml/2006/main">
+  <p:cSld>
+    <p:spTree>
+      <p:nvGrpSpPr>
+        <p:cNvPr id="1" name=""/>
+        <p:cNvGrpSpPr/>
+        <p:nvPr/>
+      </p:nvGrpSpPr>
+      <p:grpSpPr>
+        <a:xfrm>
+          <a:off x="0" y="0"/>
+          <a:ext cx="0" cy="0"/>
+          <a:chOff x="0" y="0"/>
+          <a:chExt cx="0" cy="0"/>
+        </a:xfrm>
+      </p:grpSpPr>
+      <p:grpSp>
+        <p:nvGrpSpPr>
+          <p:cNvPr id="20" name="组合 19">
+            <a:extLst>
+              <a:ext uri="{FF2B5EF4-FFF2-40B4-BE49-F238E27FC236}">
+                <a16:creationId xmlns:a16="http://schemas.microsoft.com/office/drawing/2014/main" id="{B20450E8-9BDE-47F0-B8BE-6243D289424B}"/>
+              </a:ext>
+            </a:extLst>
+          </p:cNvPr>
+          <p:cNvGrpSpPr/>
+          <p:nvPr/>
+        </p:nvGrpSpPr>
+        <p:grpSpPr>
+          <a:xfrm>
+            <a:off x="890270" y="900485"/>
+            <a:ext cx="8992951" cy="4812403"/>
+            <a:chOff x="890270" y="900485"/>
+            <a:chExt cx="8992951" cy="4812403"/>
+          </a:xfrm>
+        </p:grpSpPr>
+        <p:pic>
+          <p:nvPicPr>
+            <p:cNvPr id="4" name="图片 3">
+              <a:extLst>
+                <a:ext uri="{FF2B5EF4-FFF2-40B4-BE49-F238E27FC236}">
+                  <a16:creationId xmlns:a16="http://schemas.microsoft.com/office/drawing/2014/main" id="{30EA1F62-403D-4607-B526-3D53856BF376}"/>
+                </a:ext>
+              </a:extLst>
+            </p:cNvPr>
+            <p:cNvPicPr>
+              <a:picLocks noChangeAspect="1"/>
+            </p:cNvPicPr>
+            <p:nvPr/>
+          </p:nvPicPr>
+          <p:blipFill>
+            <a:blip r:embed="rId2">
+              <a:extLst>
+                <a:ext uri="{28A0092B-C50C-407E-A947-70E740481C1C}">
+                  <a14:useLocalDpi xmlns:a14="http://schemas.microsoft.com/office/drawing/2010/main" val="0"/>
+                </a:ext>
+              </a:extLst>
+            </a:blip>
+            <a:stretch>
+              <a:fillRect/>
+            </a:stretch>
+          </p:blipFill>
+          <p:spPr>
+            <a:xfrm>
+              <a:off x="890270" y="900485"/>
+              <a:ext cx="2432050" cy="1990249"/>
+            </a:xfrm>
+            <a:prstGeom prst="rect">
+              <a:avLst/>
+            </a:prstGeom>
+          </p:spPr>
+        </p:pic>
+        <p:pic>
+          <p:nvPicPr>
+            <p:cNvPr id="5" name="图片 4">
+              <a:extLst>
+                <a:ext uri="{FF2B5EF4-FFF2-40B4-BE49-F238E27FC236}">
+                  <a16:creationId xmlns:a16="http://schemas.microsoft.com/office/drawing/2014/main" id="{0116869A-300A-4165-8203-8EC3F6E0A895}"/>
+                </a:ext>
+              </a:extLst>
+            </p:cNvPr>
+            <p:cNvPicPr>
+              <a:picLocks noChangeAspect="1"/>
+            </p:cNvPicPr>
+            <p:nvPr/>
+          </p:nvPicPr>
+          <p:blipFill>
+            <a:blip r:embed="rId3">
+              <a:extLst>
+                <a:ext uri="{28A0092B-C50C-407E-A947-70E740481C1C}">
+                  <a14:useLocalDpi xmlns:a14="http://schemas.microsoft.com/office/drawing/2010/main" val="0"/>
+                </a:ext>
+              </a:extLst>
+            </a:blip>
+            <a:stretch>
+              <a:fillRect/>
+            </a:stretch>
+          </p:blipFill>
+          <p:spPr>
+            <a:xfrm>
+              <a:off x="4271017" y="900485"/>
+              <a:ext cx="2432050" cy="2006814"/>
+            </a:xfrm>
+            <a:prstGeom prst="rect">
+              <a:avLst/>
+            </a:prstGeom>
+          </p:spPr>
+        </p:pic>
+        <p:pic>
+          <p:nvPicPr>
+            <p:cNvPr id="6" name="图片 5">
+              <a:extLst>
+                <a:ext uri="{FF2B5EF4-FFF2-40B4-BE49-F238E27FC236}">
+                  <a16:creationId xmlns:a16="http://schemas.microsoft.com/office/drawing/2014/main" id="{7AA5EC96-E64D-48FE-98BD-7EBA28A8F47E}"/>
+                </a:ext>
+              </a:extLst>
+            </p:cNvPr>
+            <p:cNvPicPr>
+              <a:picLocks noChangeAspect="1"/>
+            </p:cNvPicPr>
+            <p:nvPr/>
+          </p:nvPicPr>
+          <p:blipFill>
+            <a:blip r:embed="rId4">
+              <a:extLst>
+                <a:ext uri="{28A0092B-C50C-407E-A947-70E740481C1C}">
+                  <a14:useLocalDpi xmlns:a14="http://schemas.microsoft.com/office/drawing/2010/main" val="0"/>
+                </a:ext>
+              </a:extLst>
+            </a:blip>
+            <a:stretch>
+              <a:fillRect/>
+            </a:stretch>
+          </p:blipFill>
+          <p:spPr>
+            <a:xfrm>
+              <a:off x="7651764" y="900485"/>
+              <a:ext cx="2231457" cy="2006814"/>
+            </a:xfrm>
+            <a:prstGeom prst="rect">
+              <a:avLst/>
+            </a:prstGeom>
+          </p:spPr>
+        </p:pic>
+        <p:pic>
+          <p:nvPicPr>
+            <p:cNvPr id="7" name="图片 6">
+              <a:extLst>
+                <a:ext uri="{FF2B5EF4-FFF2-40B4-BE49-F238E27FC236}">
+                  <a16:creationId xmlns:a16="http://schemas.microsoft.com/office/drawing/2014/main" id="{2C8857D5-0BE5-4AEE-8645-5CCB2DABB322}"/>
+                </a:ext>
+              </a:extLst>
+            </p:cNvPr>
+            <p:cNvPicPr>
+              <a:picLocks noChangeAspect="1"/>
+            </p:cNvPicPr>
+            <p:nvPr/>
+          </p:nvPicPr>
+          <p:blipFill rotWithShape="1">
+            <a:blip r:embed="rId5">
+              <a:extLst>
+                <a:ext uri="{28A0092B-C50C-407E-A947-70E740481C1C}">
+                  <a14:useLocalDpi xmlns:a14="http://schemas.microsoft.com/office/drawing/2010/main" val="0"/>
+                </a:ext>
+              </a:extLst>
+            </a:blip>
+            <a:srcRect l="9118" t="8736" r="7888" b="6271"/>
+            <a:stretch/>
+          </p:blipFill>
+          <p:spPr>
+            <a:xfrm>
+              <a:off x="890270" y="3691158"/>
+              <a:ext cx="1684442" cy="2010141"/>
+            </a:xfrm>
+            <a:prstGeom prst="rect">
+              <a:avLst/>
+            </a:prstGeom>
+          </p:spPr>
+        </p:pic>
+        <p:pic>
+          <p:nvPicPr>
+            <p:cNvPr id="8" name="图片 7">
+              <a:extLst>
+                <a:ext uri="{FF2B5EF4-FFF2-40B4-BE49-F238E27FC236}">
+                  <a16:creationId xmlns:a16="http://schemas.microsoft.com/office/drawing/2014/main" id="{514633E8-FC37-4DEE-B451-CAB3E3823293}"/>
+                </a:ext>
+              </a:extLst>
+            </p:cNvPr>
+            <p:cNvPicPr>
+              <a:picLocks noChangeAspect="1"/>
+            </p:cNvPicPr>
+            <p:nvPr/>
+          </p:nvPicPr>
+          <p:blipFill rotWithShape="1">
+            <a:blip r:embed="rId6">
+              <a:extLst>
+                <a:ext uri="{28A0092B-C50C-407E-A947-70E740481C1C}">
+                  <a14:useLocalDpi xmlns:a14="http://schemas.microsoft.com/office/drawing/2010/main" val="0"/>
+                </a:ext>
+              </a:extLst>
+            </a:blip>
+            <a:srcRect l="2667" b="7807"/>
+            <a:stretch/>
+          </p:blipFill>
+          <p:spPr>
+            <a:xfrm>
+              <a:off x="2955935" y="3706074"/>
+              <a:ext cx="4165979" cy="2006814"/>
+            </a:xfrm>
+            <a:prstGeom prst="rect">
+              <a:avLst/>
+            </a:prstGeom>
+          </p:spPr>
+        </p:pic>
+        <p:grpSp>
+          <p:nvGrpSpPr>
+            <p:cNvPr id="9" name="组合 8">
+              <a:extLst>
+                <a:ext uri="{FF2B5EF4-FFF2-40B4-BE49-F238E27FC236}">
+                  <a16:creationId xmlns:a16="http://schemas.microsoft.com/office/drawing/2014/main" id="{64F4A7F9-20AB-4D9D-817C-0B645326341A}"/>
+                </a:ext>
+              </a:extLst>
+            </p:cNvPr>
+            <p:cNvGrpSpPr>
+              <a:grpSpLocks noChangeAspect="1"/>
+            </p:cNvGrpSpPr>
+            <p:nvPr/>
+          </p:nvGrpSpPr>
+          <p:grpSpPr>
+            <a:xfrm>
+              <a:off x="7503137" y="3706074"/>
+              <a:ext cx="2380084" cy="1947723"/>
+              <a:chOff x="6375470" y="1653540"/>
+              <a:chExt cx="4472442" cy="3659988"/>
+            </a:xfrm>
+          </p:grpSpPr>
+          <p:pic>
+            <p:nvPicPr>
+              <p:cNvPr id="10" name="图片 9">
+                <a:extLst>
+                  <a:ext uri="{FF2B5EF4-FFF2-40B4-BE49-F238E27FC236}">
+                    <a16:creationId xmlns:a16="http://schemas.microsoft.com/office/drawing/2014/main" id="{91E22E53-4405-4836-A231-D85C69F94073}"/>
+                  </a:ext>
+                </a:extLst>
+              </p:cNvPr>
+              <p:cNvPicPr>
+                <a:picLocks noChangeAspect="1"/>
+              </p:cNvPicPr>
+              <p:nvPr/>
+            </p:nvPicPr>
+            <p:blipFill>
+              <a:blip r:embed="rId2">
+                <a:extLst>
+                  <a:ext uri="{28A0092B-C50C-407E-A947-70E740481C1C}">
+                    <a14:useLocalDpi xmlns:a14="http://schemas.microsoft.com/office/drawing/2010/main" val="0"/>
+                  </a:ext>
+                </a:extLst>
+              </a:blip>
+              <a:stretch>
+                <a:fillRect/>
+              </a:stretch>
+            </p:blipFill>
+            <p:spPr>
+              <a:xfrm>
+                <a:off x="6375470" y="1653540"/>
+                <a:ext cx="4472442" cy="3659988"/>
+              </a:xfrm>
+              <a:prstGeom prst="rect">
+                <a:avLst/>
+              </a:prstGeom>
+            </p:spPr>
+          </p:pic>
+          <p:sp>
+            <p:nvSpPr>
+              <p:cNvPr id="11" name="矩形 10">
+                <a:extLst>
+                  <a:ext uri="{FF2B5EF4-FFF2-40B4-BE49-F238E27FC236}">
+                    <a16:creationId xmlns:a16="http://schemas.microsoft.com/office/drawing/2014/main" id="{5D7010F6-CE20-481F-8250-A134B21F98A6}"/>
+                  </a:ext>
+                </a:extLst>
+              </p:cNvPr>
+              <p:cNvSpPr/>
+              <p:nvPr/>
+            </p:nvSpPr>
+            <p:spPr>
+              <a:xfrm>
+                <a:off x="8094090" y="3209213"/>
+                <a:ext cx="2712456" cy="567139"/>
+              </a:xfrm>
+              <a:prstGeom prst="rect">
+                <a:avLst/>
+              </a:prstGeom>
+              <a:noFill/>
+              <a:ln w="31750">
+                <a:solidFill>
+                  <a:srgbClr val="FF0000"/>
+                </a:solidFill>
+              </a:ln>
+            </p:spPr>
+            <p:style>
+              <a:lnRef idx="2">
+                <a:schemeClr val="accent1">
+                  <a:shade val="50000"/>
+                </a:schemeClr>
+              </a:lnRef>
+              <a:fillRef idx="1">
+                <a:schemeClr val="accent1"/>
+              </a:fillRef>
+              <a:effectRef idx="0">
+                <a:schemeClr val="accent1"/>
+              </a:effectRef>
+              <a:fontRef idx="minor">
+                <a:schemeClr val="lt1"/>
+              </a:fontRef>
+            </p:style>
+            <p:txBody>
+              <a:bodyPr rtlCol="0" anchor="ctr"/>
+              <a:lstStyle/>
+              <a:p>
+                <a:pPr algn="ctr"/>
+                <a:endParaRPr lang="zh-CN" altLang="en-US"/>
+              </a:p>
+            </p:txBody>
+          </p:sp>
+          <p:sp>
+            <p:nvSpPr>
+              <p:cNvPr id="12" name="矩形 11">
+                <a:extLst>
+                  <a:ext uri="{FF2B5EF4-FFF2-40B4-BE49-F238E27FC236}">
+                    <a16:creationId xmlns:a16="http://schemas.microsoft.com/office/drawing/2014/main" id="{66C19152-0869-418B-B921-936D521A4231}"/>
+                  </a:ext>
+                </a:extLst>
+              </p:cNvPr>
+              <p:cNvSpPr/>
+              <p:nvPr/>
+            </p:nvSpPr>
+            <p:spPr>
+              <a:xfrm>
+                <a:off x="8383978" y="3776353"/>
+                <a:ext cx="2422567" cy="475014"/>
+              </a:xfrm>
+              <a:prstGeom prst="rect">
+                <a:avLst/>
+              </a:prstGeom>
+              <a:noFill/>
+              <a:ln w="31750">
+                <a:solidFill>
+                  <a:srgbClr val="FF0000"/>
+                </a:solidFill>
+              </a:ln>
+            </p:spPr>
+            <p:style>
+              <a:lnRef idx="2">
+                <a:schemeClr val="accent1">
+                  <a:shade val="50000"/>
+                </a:schemeClr>
+              </a:lnRef>
+              <a:fillRef idx="1">
+                <a:schemeClr val="accent1"/>
+              </a:fillRef>
+              <a:effectRef idx="0">
+                <a:schemeClr val="accent1"/>
+              </a:effectRef>
+              <a:fontRef idx="minor">
+                <a:schemeClr val="lt1"/>
+              </a:fontRef>
+            </p:style>
+            <p:txBody>
+              <a:bodyPr rtlCol="0" anchor="ctr"/>
+              <a:lstStyle/>
+              <a:p>
+                <a:pPr algn="ctr"/>
+                <a:endParaRPr lang="zh-CN" altLang="en-US"/>
+              </a:p>
+            </p:txBody>
+          </p:sp>
+          <p:sp>
+            <p:nvSpPr>
+              <p:cNvPr id="13" name="矩形 12">
+                <a:extLst>
+                  <a:ext uri="{FF2B5EF4-FFF2-40B4-BE49-F238E27FC236}">
+                    <a16:creationId xmlns:a16="http://schemas.microsoft.com/office/drawing/2014/main" id="{630F9288-2092-461C-9C67-9F3E90BDF7A7}"/>
+                  </a:ext>
+                </a:extLst>
+              </p:cNvPr>
+              <p:cNvSpPr/>
+              <p:nvPr/>
+            </p:nvSpPr>
+            <p:spPr>
+              <a:xfrm>
+                <a:off x="8502732" y="4239491"/>
+                <a:ext cx="2303812" cy="567140"/>
+              </a:xfrm>
+              <a:prstGeom prst="rect">
+                <a:avLst/>
+              </a:prstGeom>
+              <a:noFill/>
+              <a:ln w="31750">
+                <a:solidFill>
+                  <a:srgbClr val="FF0000"/>
+                </a:solidFill>
+              </a:ln>
+            </p:spPr>
+            <p:style>
+              <a:lnRef idx="2">
+                <a:schemeClr val="accent1">
+                  <a:shade val="50000"/>
+                </a:schemeClr>
+              </a:lnRef>
+              <a:fillRef idx="1">
+                <a:schemeClr val="accent1"/>
+              </a:fillRef>
+              <a:effectRef idx="0">
+                <a:schemeClr val="accent1"/>
+              </a:effectRef>
+              <a:fontRef idx="minor">
+                <a:schemeClr val="lt1"/>
+              </a:fontRef>
+            </p:style>
+            <p:txBody>
+              <a:bodyPr rtlCol="0" anchor="ctr"/>
+              <a:lstStyle/>
+              <a:p>
+                <a:pPr algn="ctr"/>
+                <a:endParaRPr lang="zh-CN" altLang="en-US"/>
+              </a:p>
+            </p:txBody>
+          </p:sp>
+        </p:grpSp>
+        <p:sp>
+          <p:nvSpPr>
+            <p:cNvPr id="14" name="箭头: 右 13">
+              <a:extLst>
+                <a:ext uri="{FF2B5EF4-FFF2-40B4-BE49-F238E27FC236}">
+                  <a16:creationId xmlns:a16="http://schemas.microsoft.com/office/drawing/2014/main" id="{89F3D19E-2623-459A-B29B-DD53945349B7}"/>
+                </a:ext>
+              </a:extLst>
+            </p:cNvPr>
+            <p:cNvSpPr/>
+            <p:nvPr/>
+          </p:nvSpPr>
+          <p:spPr>
+            <a:xfrm>
+              <a:off x="3513450" y="1653293"/>
+              <a:ext cx="566436" cy="484632"/>
+            </a:xfrm>
+            <a:prstGeom prst="rightArrow">
+              <a:avLst/>
+            </a:prstGeom>
+            <a:solidFill>
+              <a:srgbClr val="FF0000"/>
+            </a:solidFill>
+          </p:spPr>
+          <p:style>
+            <a:lnRef idx="2">
+              <a:schemeClr val="accent1">
+                <a:shade val="50000"/>
+              </a:schemeClr>
+            </a:lnRef>
+            <a:fillRef idx="1">
+              <a:schemeClr val="accent1"/>
+            </a:fillRef>
+            <a:effectRef idx="0">
+              <a:schemeClr val="accent1"/>
+            </a:effectRef>
+            <a:fontRef idx="minor">
+              <a:schemeClr val="lt1"/>
+            </a:fontRef>
+          </p:style>
+          <p:txBody>
+            <a:bodyPr rtlCol="0" anchor="ctr"/>
+            <a:lstStyle/>
+            <a:p>
+              <a:pPr algn="ctr"/>
+              <a:endParaRPr lang="zh-CN" altLang="en-US"/>
+            </a:p>
+          </p:txBody>
+        </p:sp>
+        <p:sp>
+          <p:nvSpPr>
+            <p:cNvPr id="15" name="箭头: 右 14">
+              <a:extLst>
+                <a:ext uri="{FF2B5EF4-FFF2-40B4-BE49-F238E27FC236}">
+                  <a16:creationId xmlns:a16="http://schemas.microsoft.com/office/drawing/2014/main" id="{07CFAA29-ACE7-4CD6-A07F-04378E6631DC}"/>
+                </a:ext>
+              </a:extLst>
+            </p:cNvPr>
+            <p:cNvSpPr/>
+            <p:nvPr/>
+          </p:nvSpPr>
+          <p:spPr>
+            <a:xfrm>
+              <a:off x="6936701" y="1661576"/>
+              <a:ext cx="566436" cy="484632"/>
+            </a:xfrm>
+            <a:prstGeom prst="rightArrow">
+              <a:avLst/>
+            </a:prstGeom>
+            <a:solidFill>
+              <a:srgbClr val="FF0000"/>
+            </a:solidFill>
+          </p:spPr>
+          <p:style>
+            <a:lnRef idx="2">
+              <a:schemeClr val="accent1">
+                <a:shade val="50000"/>
+              </a:schemeClr>
+            </a:lnRef>
+            <a:fillRef idx="1">
+              <a:schemeClr val="accent1"/>
+            </a:fillRef>
+            <a:effectRef idx="0">
+              <a:schemeClr val="accent1"/>
+            </a:effectRef>
+            <a:fontRef idx="minor">
+              <a:schemeClr val="lt1"/>
+            </a:fontRef>
+          </p:style>
+          <p:txBody>
+            <a:bodyPr rtlCol="0" anchor="ctr"/>
+            <a:lstStyle/>
+            <a:p>
+              <a:pPr algn="ctr"/>
+              <a:endParaRPr lang="zh-CN" altLang="en-US"/>
+            </a:p>
+          </p:txBody>
+        </p:sp>
+        <p:sp>
+          <p:nvSpPr>
+            <p:cNvPr id="16" name="箭头: 右 15">
+              <a:extLst>
+                <a:ext uri="{FF2B5EF4-FFF2-40B4-BE49-F238E27FC236}">
+                  <a16:creationId xmlns:a16="http://schemas.microsoft.com/office/drawing/2014/main" id="{6BADECBF-C7E9-4783-97E3-C71F1817128C}"/>
+                </a:ext>
+              </a:extLst>
+            </p:cNvPr>
+            <p:cNvSpPr/>
+            <p:nvPr/>
+          </p:nvSpPr>
+          <p:spPr>
+            <a:xfrm>
+              <a:off x="2426634" y="4437619"/>
+              <a:ext cx="566436" cy="484632"/>
+            </a:xfrm>
+            <a:prstGeom prst="rightArrow">
+              <a:avLst/>
+            </a:prstGeom>
+            <a:solidFill>
+              <a:srgbClr val="FF0000"/>
+            </a:solidFill>
+          </p:spPr>
+          <p:style>
+            <a:lnRef idx="2">
+              <a:schemeClr val="accent1">
+                <a:shade val="50000"/>
+              </a:schemeClr>
+            </a:lnRef>
+            <a:fillRef idx="1">
+              <a:schemeClr val="accent1"/>
+            </a:fillRef>
+            <a:effectRef idx="0">
+              <a:schemeClr val="accent1"/>
+            </a:effectRef>
+            <a:fontRef idx="minor">
+              <a:schemeClr val="lt1"/>
+            </a:fontRef>
+          </p:style>
+          <p:txBody>
+            <a:bodyPr rtlCol="0" anchor="ctr"/>
+            <a:lstStyle/>
+            <a:p>
+              <a:pPr algn="ctr"/>
+              <a:endParaRPr lang="zh-CN" altLang="en-US"/>
+            </a:p>
+          </p:txBody>
+        </p:sp>
+        <p:sp>
+          <p:nvSpPr>
+            <p:cNvPr id="17" name="箭头: 右 16">
+              <a:extLst>
+                <a:ext uri="{FF2B5EF4-FFF2-40B4-BE49-F238E27FC236}">
+                  <a16:creationId xmlns:a16="http://schemas.microsoft.com/office/drawing/2014/main" id="{B9B72F34-EDE8-4F96-843D-F39EBE31DF54}"/>
+                </a:ext>
+              </a:extLst>
+            </p:cNvPr>
+            <p:cNvSpPr/>
+            <p:nvPr/>
+          </p:nvSpPr>
+          <p:spPr>
+            <a:xfrm>
+              <a:off x="6992965" y="4467165"/>
+              <a:ext cx="566436" cy="484632"/>
+            </a:xfrm>
+            <a:prstGeom prst="rightArrow">
+              <a:avLst/>
+            </a:prstGeom>
+            <a:solidFill>
+              <a:srgbClr val="FF0000"/>
+            </a:solidFill>
+          </p:spPr>
+          <p:style>
+            <a:lnRef idx="2">
+              <a:schemeClr val="accent1">
+                <a:shade val="50000"/>
+              </a:schemeClr>
+            </a:lnRef>
+            <a:fillRef idx="1">
+              <a:schemeClr val="accent1"/>
+            </a:fillRef>
+            <a:effectRef idx="0">
+              <a:schemeClr val="accent1"/>
+            </a:effectRef>
+            <a:fontRef idx="minor">
+              <a:schemeClr val="lt1"/>
+            </a:fontRef>
+          </p:style>
+          <p:txBody>
+            <a:bodyPr rtlCol="0" anchor="ctr"/>
+            <a:lstStyle/>
+            <a:p>
+              <a:pPr algn="ctr"/>
+              <a:endParaRPr lang="zh-CN" altLang="en-US"/>
+            </a:p>
+          </p:txBody>
+        </p:sp>
+        <p:cxnSp>
+          <p:nvCxnSpPr>
+            <p:cNvPr id="19" name="连接符: 肘形 18">
+              <a:extLst>
+                <a:ext uri="{FF2B5EF4-FFF2-40B4-BE49-F238E27FC236}">
+                  <a16:creationId xmlns:a16="http://schemas.microsoft.com/office/drawing/2014/main" id="{93774C74-FD91-4546-AE5B-BA3D76803EE9}"/>
+                </a:ext>
+              </a:extLst>
+            </p:cNvPr>
+            <p:cNvCxnSpPr>
+              <a:stCxn id="6" idx="2"/>
+              <a:endCxn id="7" idx="0"/>
+            </p:cNvCxnSpPr>
+            <p:nvPr/>
+          </p:nvCxnSpPr>
+          <p:spPr>
+            <a:xfrm rot="5400000">
+              <a:off x="4858063" y="-218273"/>
+              <a:ext cx="783859" cy="7035002"/>
+            </a:xfrm>
+            <a:prstGeom prst="bentConnector3">
+              <a:avLst/>
+            </a:prstGeom>
+            <a:ln w="63500">
+              <a:solidFill>
+                <a:srgbClr val="FF0000"/>
+              </a:solidFill>
+              <a:tailEnd type="triangle"/>
+            </a:ln>
+          </p:spPr>
+          <p:style>
+            <a:lnRef idx="1">
+              <a:schemeClr val="accent1"/>
+            </a:lnRef>
+            <a:fillRef idx="0">
+              <a:schemeClr val="accent1"/>
+            </a:fillRef>
+            <a:effectRef idx="0">
+              <a:schemeClr val="accent1"/>
+            </a:effectRef>
+            <a:fontRef idx="minor">
+              <a:schemeClr val="tx1"/>
+            </a:fontRef>
+          </p:style>
+        </p:cxnSp>
+      </p:grpSp>
+    </p:spTree>
+    <p:extLst>
+      <p:ext uri="{BB962C8B-B14F-4D97-AF65-F5344CB8AC3E}">
+        <p14:creationId xmlns:p14="http://schemas.microsoft.com/office/powerpoint/2010/main" val="846389005"/>
+      </p:ext>
+    </p:extLst>
+  </p:cSld>
+  <p:clrMapOvr>
+    <a:masterClrMapping/>
+  </p:clrMapOvr>
+</p:sld>
+</file>
+
+<file path=ppt/slides/slide8.xml><?xml version="1.0" encoding="utf-8"?>
+<p:sld xmlns:a="http://schemas.openxmlformats.org/drawingml/2006/main" xmlns:r="http://schemas.openxmlformats.org/officeDocument/2006/relationships" xmlns:p="http://schemas.openxmlformats.org/presentationml/2006/main">
+  <p:cSld>
+    <p:spTree>
+      <p:nvGrpSpPr>
+        <p:cNvPr id="1" name=""/>
+        <p:cNvGrpSpPr/>
+        <p:nvPr/>
+      </p:nvGrpSpPr>
+      <p:grpSpPr>
+        <a:xfrm>
+          <a:off x="0" y="0"/>
+          <a:ext cx="0" cy="0"/>
+          <a:chOff x="0" y="0"/>
+          <a:chExt cx="0" cy="0"/>
+        </a:xfrm>
+      </p:grpSpPr>
+      <p:grpSp>
+        <p:nvGrpSpPr>
+          <p:cNvPr id="3" name="组合 2">
+            <a:extLst>
+              <a:ext uri="{FF2B5EF4-FFF2-40B4-BE49-F238E27FC236}">
+                <a16:creationId xmlns:a16="http://schemas.microsoft.com/office/drawing/2014/main" id="{A668DA16-7FB1-4878-93B6-CCD1C7ECA352}"/>
+              </a:ext>
+            </a:extLst>
+          </p:cNvPr>
+          <p:cNvGrpSpPr/>
+          <p:nvPr/>
+        </p:nvGrpSpPr>
+        <p:grpSpPr>
+          <a:xfrm>
+            <a:off x="890270" y="900485"/>
+            <a:ext cx="8992951" cy="2006814"/>
+            <a:chOff x="890270" y="900485"/>
+            <a:chExt cx="8992951" cy="2006814"/>
+          </a:xfrm>
+        </p:grpSpPr>
+        <p:pic>
+          <p:nvPicPr>
+            <p:cNvPr id="4" name="图片 3">
+              <a:extLst>
+                <a:ext uri="{FF2B5EF4-FFF2-40B4-BE49-F238E27FC236}">
+                  <a16:creationId xmlns:a16="http://schemas.microsoft.com/office/drawing/2014/main" id="{30EA1F62-403D-4607-B526-3D53856BF376}"/>
+                </a:ext>
+              </a:extLst>
+            </p:cNvPr>
+            <p:cNvPicPr>
+              <a:picLocks noChangeAspect="1"/>
+            </p:cNvPicPr>
+            <p:nvPr/>
+          </p:nvPicPr>
+          <p:blipFill>
+            <a:blip r:embed="rId2">
+              <a:extLst>
+                <a:ext uri="{28A0092B-C50C-407E-A947-70E740481C1C}">
+                  <a14:useLocalDpi xmlns:a14="http://schemas.microsoft.com/office/drawing/2010/main" val="0"/>
+                </a:ext>
+              </a:extLst>
+            </a:blip>
+            <a:stretch>
+              <a:fillRect/>
+            </a:stretch>
+          </p:blipFill>
+          <p:spPr>
+            <a:xfrm>
+              <a:off x="890270" y="900485"/>
+              <a:ext cx="2432050" cy="1990249"/>
+            </a:xfrm>
+            <a:prstGeom prst="rect">
+              <a:avLst/>
+            </a:prstGeom>
+            <a:effectLst>
+              <a:glow rad="228600">
+                <a:schemeClr val="accent3">
+                  <a:satMod val="175000"/>
+                  <a:alpha val="40000"/>
+                </a:schemeClr>
+              </a:glow>
+            </a:effectLst>
+          </p:spPr>
+        </p:pic>
+        <p:pic>
+          <p:nvPicPr>
+            <p:cNvPr id="5" name="图片 4">
+              <a:extLst>
+                <a:ext uri="{FF2B5EF4-FFF2-40B4-BE49-F238E27FC236}">
+                  <a16:creationId xmlns:a16="http://schemas.microsoft.com/office/drawing/2014/main" id="{0116869A-300A-4165-8203-8EC3F6E0A895}"/>
+                </a:ext>
+              </a:extLst>
+            </p:cNvPr>
+            <p:cNvPicPr>
+              <a:picLocks noChangeAspect="1"/>
+            </p:cNvPicPr>
+            <p:nvPr/>
+          </p:nvPicPr>
+          <p:blipFill>
+            <a:blip r:embed="rId3">
+              <a:extLst>
+                <a:ext uri="{28A0092B-C50C-407E-A947-70E740481C1C}">
+                  <a14:useLocalDpi xmlns:a14="http://schemas.microsoft.com/office/drawing/2010/main" val="0"/>
+                </a:ext>
+              </a:extLst>
+            </a:blip>
+            <a:stretch>
+              <a:fillRect/>
+            </a:stretch>
+          </p:blipFill>
+          <p:spPr>
+            <a:xfrm>
+              <a:off x="4271017" y="900485"/>
+              <a:ext cx="2432050" cy="2006814"/>
+            </a:xfrm>
+            <a:prstGeom prst="rect">
+              <a:avLst/>
+            </a:prstGeom>
+            <a:effectLst>
+              <a:glow rad="228600">
+                <a:schemeClr val="accent3">
+                  <a:satMod val="175000"/>
+                  <a:alpha val="40000"/>
+                </a:schemeClr>
+              </a:glow>
+            </a:effectLst>
+          </p:spPr>
+        </p:pic>
+        <p:pic>
+          <p:nvPicPr>
+            <p:cNvPr id="6" name="图片 5">
+              <a:extLst>
+                <a:ext uri="{FF2B5EF4-FFF2-40B4-BE49-F238E27FC236}">
+                  <a16:creationId xmlns:a16="http://schemas.microsoft.com/office/drawing/2014/main" id="{7AA5EC96-E64D-48FE-98BD-7EBA28A8F47E}"/>
+                </a:ext>
+              </a:extLst>
+            </p:cNvPr>
+            <p:cNvPicPr>
+              <a:picLocks noChangeAspect="1"/>
+            </p:cNvPicPr>
+            <p:nvPr/>
+          </p:nvPicPr>
+          <p:blipFill>
+            <a:blip r:embed="rId4">
+              <a:extLst>
+                <a:ext uri="{28A0092B-C50C-407E-A947-70E740481C1C}">
+                  <a14:useLocalDpi xmlns:a14="http://schemas.microsoft.com/office/drawing/2010/main" val="0"/>
+                </a:ext>
+              </a:extLst>
+            </a:blip>
+            <a:stretch>
+              <a:fillRect/>
+            </a:stretch>
+          </p:blipFill>
+          <p:spPr>
+            <a:xfrm>
+              <a:off x="7651764" y="900485"/>
+              <a:ext cx="2231457" cy="2006814"/>
+            </a:xfrm>
+            <a:prstGeom prst="rect">
+              <a:avLst/>
+            </a:prstGeom>
+            <a:effectLst>
+              <a:glow rad="228600">
+                <a:schemeClr val="accent3">
+                  <a:satMod val="175000"/>
+                  <a:alpha val="40000"/>
+                </a:schemeClr>
+              </a:glow>
+            </a:effectLst>
+          </p:spPr>
+        </p:pic>
+      </p:grpSp>
+      <p:grpSp>
+        <p:nvGrpSpPr>
+          <p:cNvPr id="15" name="组合 14">
+            <a:extLst>
+              <a:ext uri="{FF2B5EF4-FFF2-40B4-BE49-F238E27FC236}">
+                <a16:creationId xmlns:a16="http://schemas.microsoft.com/office/drawing/2014/main" id="{F62555CA-3663-42EE-8308-CC4C3A3792C3}"/>
+              </a:ext>
+            </a:extLst>
+          </p:cNvPr>
+          <p:cNvGrpSpPr/>
+          <p:nvPr/>
+        </p:nvGrpSpPr>
+        <p:grpSpPr>
+          <a:xfrm>
+            <a:off x="890270" y="3691158"/>
+            <a:ext cx="8992951" cy="2021730"/>
+            <a:chOff x="890270" y="3691158"/>
+            <a:chExt cx="8992951" cy="2021730"/>
+          </a:xfrm>
+        </p:grpSpPr>
+        <p:pic>
+          <p:nvPicPr>
+            <p:cNvPr id="7" name="图片 6">
+              <a:extLst>
+                <a:ext uri="{FF2B5EF4-FFF2-40B4-BE49-F238E27FC236}">
+                  <a16:creationId xmlns:a16="http://schemas.microsoft.com/office/drawing/2014/main" id="{2C8857D5-0BE5-4AEE-8645-5CCB2DABB322}"/>
+                </a:ext>
+              </a:extLst>
+            </p:cNvPr>
+            <p:cNvPicPr>
+              <a:picLocks noChangeAspect="1"/>
+            </p:cNvPicPr>
+            <p:nvPr/>
+          </p:nvPicPr>
+          <p:blipFill rotWithShape="1">
+            <a:blip r:embed="rId5">
+              <a:extLst>
+                <a:ext uri="{28A0092B-C50C-407E-A947-70E740481C1C}">
+                  <a14:useLocalDpi xmlns:a14="http://schemas.microsoft.com/office/drawing/2010/main" val="0"/>
+                </a:ext>
+              </a:extLst>
+            </a:blip>
+            <a:srcRect l="9118" t="8736" r="7888" b="6271"/>
+            <a:stretch/>
+          </p:blipFill>
+          <p:spPr>
+            <a:xfrm>
+              <a:off x="890270" y="3691158"/>
+              <a:ext cx="1684442" cy="2010141"/>
+            </a:xfrm>
+            <a:prstGeom prst="rect">
+              <a:avLst/>
+            </a:prstGeom>
+            <a:effectLst>
+              <a:glow rad="228600">
+                <a:schemeClr val="accent3">
+                  <a:satMod val="175000"/>
+                  <a:alpha val="40000"/>
+                </a:schemeClr>
+              </a:glow>
+            </a:effectLst>
+          </p:spPr>
+        </p:pic>
+        <p:pic>
+          <p:nvPicPr>
+            <p:cNvPr id="8" name="图片 7">
+              <a:extLst>
+                <a:ext uri="{FF2B5EF4-FFF2-40B4-BE49-F238E27FC236}">
+                  <a16:creationId xmlns:a16="http://schemas.microsoft.com/office/drawing/2014/main" id="{514633E8-FC37-4DEE-B451-CAB3E3823293}"/>
+                </a:ext>
+              </a:extLst>
+            </p:cNvPr>
+            <p:cNvPicPr>
+              <a:picLocks noChangeAspect="1"/>
+            </p:cNvPicPr>
+            <p:nvPr/>
+          </p:nvPicPr>
+          <p:blipFill rotWithShape="1">
+            <a:blip r:embed="rId6">
+              <a:extLst>
+                <a:ext uri="{28A0092B-C50C-407E-A947-70E740481C1C}">
+                  <a14:useLocalDpi xmlns:a14="http://schemas.microsoft.com/office/drawing/2010/main" val="0"/>
+                </a:ext>
+              </a:extLst>
+            </a:blip>
+            <a:srcRect l="2667" b="7807"/>
+            <a:stretch/>
+          </p:blipFill>
+          <p:spPr>
+            <a:xfrm>
+              <a:off x="2955935" y="3706074"/>
+              <a:ext cx="4165979" cy="2006814"/>
+            </a:xfrm>
+            <a:prstGeom prst="rect">
+              <a:avLst/>
+            </a:prstGeom>
+            <a:effectLst>
+              <a:glow rad="228600">
+                <a:schemeClr val="accent3">
+                  <a:satMod val="175000"/>
+                  <a:alpha val="40000"/>
+                </a:schemeClr>
+              </a:glow>
+            </a:effectLst>
+          </p:spPr>
+        </p:pic>
+        <p:grpSp>
+          <p:nvGrpSpPr>
+            <p:cNvPr id="9" name="组合 8">
+              <a:extLst>
+                <a:ext uri="{FF2B5EF4-FFF2-40B4-BE49-F238E27FC236}">
+                  <a16:creationId xmlns:a16="http://schemas.microsoft.com/office/drawing/2014/main" id="{64F4A7F9-20AB-4D9D-817C-0B645326341A}"/>
+                </a:ext>
+              </a:extLst>
+            </p:cNvPr>
+            <p:cNvGrpSpPr>
+              <a:grpSpLocks noChangeAspect="1"/>
+            </p:cNvGrpSpPr>
+            <p:nvPr/>
+          </p:nvGrpSpPr>
+          <p:grpSpPr>
+            <a:xfrm>
+              <a:off x="7503137" y="3706074"/>
+              <a:ext cx="2380084" cy="1947723"/>
+              <a:chOff x="6375470" y="1653540"/>
+              <a:chExt cx="4472442" cy="3659988"/>
+            </a:xfrm>
+            <a:effectLst>
+              <a:glow rad="228600">
+                <a:schemeClr val="accent3">
+                  <a:satMod val="175000"/>
+                  <a:alpha val="40000"/>
+                </a:schemeClr>
+              </a:glow>
+            </a:effectLst>
+          </p:grpSpPr>
+          <p:pic>
+            <p:nvPicPr>
+              <p:cNvPr id="10" name="图片 9">
+                <a:extLst>
+                  <a:ext uri="{FF2B5EF4-FFF2-40B4-BE49-F238E27FC236}">
+                    <a16:creationId xmlns:a16="http://schemas.microsoft.com/office/drawing/2014/main" id="{91E22E53-4405-4836-A231-D85C69F94073}"/>
+                  </a:ext>
+                </a:extLst>
+              </p:cNvPr>
+              <p:cNvPicPr>
+                <a:picLocks noChangeAspect="1"/>
+              </p:cNvPicPr>
+              <p:nvPr/>
+            </p:nvPicPr>
+            <p:blipFill>
+              <a:blip r:embed="rId2">
+                <a:extLst>
+                  <a:ext uri="{28A0092B-C50C-407E-A947-70E740481C1C}">
+                    <a14:useLocalDpi xmlns:a14="http://schemas.microsoft.com/office/drawing/2010/main" val="0"/>
+                  </a:ext>
+                </a:extLst>
+              </a:blip>
+              <a:stretch>
+                <a:fillRect/>
+              </a:stretch>
+            </p:blipFill>
+            <p:spPr>
+              <a:xfrm>
+                <a:off x="6375470" y="1653540"/>
+                <a:ext cx="4472442" cy="3659988"/>
+              </a:xfrm>
+              <a:prstGeom prst="rect">
+                <a:avLst/>
+              </a:prstGeom>
+            </p:spPr>
+          </p:pic>
+          <p:sp>
+            <p:nvSpPr>
+              <p:cNvPr id="11" name="矩形 10">
+                <a:extLst>
+                  <a:ext uri="{FF2B5EF4-FFF2-40B4-BE49-F238E27FC236}">
+                    <a16:creationId xmlns:a16="http://schemas.microsoft.com/office/drawing/2014/main" id="{5D7010F6-CE20-481F-8250-A134B21F98A6}"/>
+                  </a:ext>
+                </a:extLst>
+              </p:cNvPr>
+              <p:cNvSpPr/>
+              <p:nvPr/>
+            </p:nvSpPr>
+            <p:spPr>
+              <a:xfrm>
+                <a:off x="8094090" y="3209213"/>
+                <a:ext cx="2712456" cy="567139"/>
+              </a:xfrm>
+              <a:prstGeom prst="rect">
+                <a:avLst/>
+              </a:prstGeom>
+              <a:noFill/>
+              <a:ln w="31750">
+                <a:solidFill>
+                  <a:srgbClr val="FF0000"/>
+                </a:solidFill>
+              </a:ln>
+            </p:spPr>
+            <p:style>
+              <a:lnRef idx="2">
+                <a:schemeClr val="accent1">
+                  <a:shade val="50000"/>
+                </a:schemeClr>
+              </a:lnRef>
+              <a:fillRef idx="1">
+                <a:schemeClr val="accent1"/>
+              </a:fillRef>
+              <a:effectRef idx="0">
+                <a:schemeClr val="accent1"/>
+              </a:effectRef>
+              <a:fontRef idx="minor">
+                <a:schemeClr val="lt1"/>
+              </a:fontRef>
+            </p:style>
+            <p:txBody>
+              <a:bodyPr rtlCol="0" anchor="ctr"/>
+              <a:lstStyle/>
+              <a:p>
+                <a:pPr algn="ctr"/>
+                <a:endParaRPr lang="zh-CN" altLang="en-US"/>
+              </a:p>
+            </p:txBody>
+          </p:sp>
+          <p:sp>
+            <p:nvSpPr>
+              <p:cNvPr id="12" name="矩形 11">
+                <a:extLst>
+                  <a:ext uri="{FF2B5EF4-FFF2-40B4-BE49-F238E27FC236}">
+                    <a16:creationId xmlns:a16="http://schemas.microsoft.com/office/drawing/2014/main" id="{66C19152-0869-418B-B921-936D521A4231}"/>
+                  </a:ext>
+                </a:extLst>
+              </p:cNvPr>
+              <p:cNvSpPr/>
+              <p:nvPr/>
+            </p:nvSpPr>
+            <p:spPr>
+              <a:xfrm>
+                <a:off x="8383978" y="3776353"/>
+                <a:ext cx="2422567" cy="475014"/>
+              </a:xfrm>
+              <a:prstGeom prst="rect">
+                <a:avLst/>
+              </a:prstGeom>
+              <a:noFill/>
+              <a:ln w="31750">
+                <a:solidFill>
+                  <a:srgbClr val="FF0000"/>
+                </a:solidFill>
+              </a:ln>
+            </p:spPr>
+            <p:style>
+              <a:lnRef idx="2">
+                <a:schemeClr val="accent1">
+                  <a:shade val="50000"/>
+                </a:schemeClr>
+              </a:lnRef>
+              <a:fillRef idx="1">
+                <a:schemeClr val="accent1"/>
+              </a:fillRef>
+              <a:effectRef idx="0">
+                <a:schemeClr val="accent1"/>
+              </a:effectRef>
+              <a:fontRef idx="minor">
+                <a:schemeClr val="lt1"/>
+              </a:fontRef>
+            </p:style>
+            <p:txBody>
+              <a:bodyPr rtlCol="0" anchor="ctr"/>
+              <a:lstStyle/>
+              <a:p>
+                <a:pPr algn="ctr"/>
+                <a:endParaRPr lang="zh-CN" altLang="en-US"/>
+              </a:p>
+            </p:txBody>
+          </p:sp>
+          <p:sp>
+            <p:nvSpPr>
+              <p:cNvPr id="13" name="矩形 12">
+                <a:extLst>
+                  <a:ext uri="{FF2B5EF4-FFF2-40B4-BE49-F238E27FC236}">
+                    <a16:creationId xmlns:a16="http://schemas.microsoft.com/office/drawing/2014/main" id="{630F9288-2092-461C-9C67-9F3E90BDF7A7}"/>
+                  </a:ext>
+                </a:extLst>
+              </p:cNvPr>
+              <p:cNvSpPr/>
+              <p:nvPr/>
+            </p:nvSpPr>
+            <p:spPr>
+              <a:xfrm>
+                <a:off x="8502732" y="4239491"/>
+                <a:ext cx="2303812" cy="567140"/>
+              </a:xfrm>
+              <a:prstGeom prst="rect">
+                <a:avLst/>
+              </a:prstGeom>
+              <a:noFill/>
+              <a:ln w="31750">
+                <a:solidFill>
+                  <a:srgbClr val="FF0000"/>
+                </a:solidFill>
+              </a:ln>
+            </p:spPr>
+            <p:style>
+              <a:lnRef idx="2">
+                <a:schemeClr val="accent1">
+                  <a:shade val="50000"/>
+                </a:schemeClr>
+              </a:lnRef>
+              <a:fillRef idx="1">
+                <a:schemeClr val="accent1"/>
+              </a:fillRef>
+              <a:effectRef idx="0">
+                <a:schemeClr val="accent1"/>
+              </a:effectRef>
+              <a:fontRef idx="minor">
+                <a:schemeClr val="lt1"/>
+              </a:fontRef>
+            </p:style>
+            <p:txBody>
+              <a:bodyPr rtlCol="0" anchor="ctr"/>
+              <a:lstStyle/>
+              <a:p>
+                <a:pPr algn="ctr"/>
+                <a:endParaRPr lang="zh-CN" altLang="en-US"/>
+              </a:p>
+            </p:txBody>
+          </p:sp>
+        </p:grpSp>
+      </p:grpSp>
+    </p:spTree>
+    <p:extLst>
+      <p:ext uri="{BB962C8B-B14F-4D97-AF65-F5344CB8AC3E}">
+        <p14:creationId xmlns:p14="http://schemas.microsoft.com/office/powerpoint/2010/main" val="1566959510"/>
+      </p:ext>
+    </p:extLst>
+  </p:cSld>
+  <p:clrMapOvr>
+    <a:masterClrMapping/>
+  </p:clrMapOvr>
+</p:sld>
+</file>
+
+<file path=ppt/slides/slide9.xml><?xml version="1.0" encoding="utf-8"?>
+<p:sld xmlns:a="http://schemas.openxmlformats.org/drawingml/2006/main" xmlns:r="http://schemas.openxmlformats.org/officeDocument/2006/relationships" xmlns:p="http://schemas.openxmlformats.org/presentationml/2006/main">
+  <p:cSld>
+    <p:spTree>
+      <p:nvGrpSpPr>
+        <p:cNvPr id="1" name=""/>
+        <p:cNvGrpSpPr/>
+        <p:nvPr/>
+      </p:nvGrpSpPr>
+      <p:grpSpPr>
+        <a:xfrm>
+          <a:off x="0" y="0"/>
+          <a:ext cx="0" cy="0"/>
+          <a:chOff x="0" y="0"/>
+          <a:chExt cx="0" cy="0"/>
+        </a:xfrm>
+      </p:grpSpPr>
+      <p:grpSp>
+        <p:nvGrpSpPr>
+          <p:cNvPr id="2" name="组合 1">
+            <a:extLst>
+              <a:ext uri="{FF2B5EF4-FFF2-40B4-BE49-F238E27FC236}">
+                <a16:creationId xmlns:a16="http://schemas.microsoft.com/office/drawing/2014/main" id="{25E8F8AC-76E3-4667-892E-7F016B847069}"/>
+              </a:ext>
+            </a:extLst>
+          </p:cNvPr>
+          <p:cNvGrpSpPr/>
+          <p:nvPr/>
+        </p:nvGrpSpPr>
+        <p:grpSpPr>
+          <a:xfrm>
+            <a:off x="890269" y="900483"/>
+            <a:ext cx="9154645" cy="2411677"/>
+            <a:chOff x="890269" y="900483"/>
+            <a:chExt cx="9154645" cy="2411677"/>
+          </a:xfrm>
+        </p:grpSpPr>
+        <p:pic>
+          <p:nvPicPr>
+            <p:cNvPr id="4" name="图片 3">
+              <a:extLst>
+                <a:ext uri="{FF2B5EF4-FFF2-40B4-BE49-F238E27FC236}">
+                  <a16:creationId xmlns:a16="http://schemas.microsoft.com/office/drawing/2014/main" id="{30EA1F62-403D-4607-B526-3D53856BF376}"/>
+                </a:ext>
+              </a:extLst>
+            </p:cNvPr>
+            <p:cNvPicPr>
+              <a:picLocks noChangeAspect="1"/>
+            </p:cNvPicPr>
+            <p:nvPr/>
+          </p:nvPicPr>
+          <p:blipFill>
+            <a:blip r:embed="rId2">
+              <a:extLst>
+                <a:ext uri="{28A0092B-C50C-407E-A947-70E740481C1C}">
+                  <a14:useLocalDpi xmlns:a14="http://schemas.microsoft.com/office/drawing/2010/main" val="0"/>
+                </a:ext>
+              </a:extLst>
+            </a:blip>
+            <a:stretch>
+              <a:fillRect/>
+            </a:stretch>
+          </p:blipFill>
+          <p:spPr>
+            <a:xfrm>
+              <a:off x="890269" y="900485"/>
+              <a:ext cx="2947025" cy="2411675"/>
+            </a:xfrm>
+            <a:prstGeom prst="rect">
+              <a:avLst/>
+            </a:prstGeom>
+            <a:effectLst>
+              <a:glow rad="228600">
+                <a:schemeClr val="accent3">
+                  <a:satMod val="175000"/>
+                  <a:alpha val="40000"/>
+                </a:schemeClr>
+              </a:glow>
+            </a:effectLst>
+          </p:spPr>
+        </p:pic>
+        <p:pic>
+          <p:nvPicPr>
+            <p:cNvPr id="5" name="图片 4">
+              <a:extLst>
+                <a:ext uri="{FF2B5EF4-FFF2-40B4-BE49-F238E27FC236}">
+                  <a16:creationId xmlns:a16="http://schemas.microsoft.com/office/drawing/2014/main" id="{0116869A-300A-4165-8203-8EC3F6E0A895}"/>
+                </a:ext>
+              </a:extLst>
+            </p:cNvPr>
+            <p:cNvPicPr>
+              <a:picLocks noChangeAspect="1"/>
+            </p:cNvPicPr>
+            <p:nvPr/>
+          </p:nvPicPr>
+          <p:blipFill>
+            <a:blip r:embed="rId3">
+              <a:extLst>
+                <a:ext uri="{28A0092B-C50C-407E-A947-70E740481C1C}">
+                  <a14:useLocalDpi xmlns:a14="http://schemas.microsoft.com/office/drawing/2010/main" val="0"/>
+                </a:ext>
+              </a:extLst>
+            </a:blip>
+            <a:stretch>
+              <a:fillRect/>
+            </a:stretch>
+          </p:blipFill>
+          <p:spPr>
+            <a:xfrm>
+              <a:off x="4138936" y="900483"/>
+              <a:ext cx="2922699" cy="2411675"/>
+            </a:xfrm>
+            <a:prstGeom prst="rect">
+              <a:avLst/>
+            </a:prstGeom>
+            <a:effectLst>
+              <a:glow rad="228600">
+                <a:schemeClr val="accent3">
+                  <a:satMod val="175000"/>
+                  <a:alpha val="40000"/>
+                </a:schemeClr>
+              </a:glow>
+            </a:effectLst>
+          </p:spPr>
+        </p:pic>
+        <p:pic>
+          <p:nvPicPr>
+            <p:cNvPr id="6" name="图片 5">
+              <a:extLst>
+                <a:ext uri="{FF2B5EF4-FFF2-40B4-BE49-F238E27FC236}">
+                  <a16:creationId xmlns:a16="http://schemas.microsoft.com/office/drawing/2014/main" id="{7AA5EC96-E64D-48FE-98BD-7EBA28A8F47E}"/>
+                </a:ext>
+              </a:extLst>
+            </p:cNvPr>
+            <p:cNvPicPr>
+              <a:picLocks noChangeAspect="1"/>
+            </p:cNvPicPr>
+            <p:nvPr/>
+          </p:nvPicPr>
+          <p:blipFill>
+            <a:blip r:embed="rId4">
+              <a:extLst>
+                <a:ext uri="{28A0092B-C50C-407E-A947-70E740481C1C}">
+                  <a14:useLocalDpi xmlns:a14="http://schemas.microsoft.com/office/drawing/2010/main" val="0"/>
+                </a:ext>
+              </a:extLst>
+            </a:blip>
+            <a:stretch>
+              <a:fillRect/>
+            </a:stretch>
+          </p:blipFill>
+          <p:spPr>
+            <a:xfrm>
+              <a:off x="7363277" y="900483"/>
+              <a:ext cx="2681637" cy="2411674"/>
+            </a:xfrm>
+            <a:prstGeom prst="rect">
+              <a:avLst/>
+            </a:prstGeom>
+            <a:effectLst>
+              <a:glow rad="228600">
+                <a:schemeClr val="accent3">
+                  <a:satMod val="175000"/>
+                  <a:alpha val="40000"/>
+                </a:schemeClr>
+              </a:glow>
+            </a:effectLst>
+          </p:spPr>
+        </p:pic>
+      </p:grpSp>
+      <p:grpSp>
+        <p:nvGrpSpPr>
+          <p:cNvPr id="14" name="组合 13">
+            <a:extLst>
+              <a:ext uri="{FF2B5EF4-FFF2-40B4-BE49-F238E27FC236}">
+                <a16:creationId xmlns:a16="http://schemas.microsoft.com/office/drawing/2014/main" id="{2F5E3BD3-FBA1-45A3-A9EA-C912F9C73505}"/>
+              </a:ext>
+            </a:extLst>
+          </p:cNvPr>
+          <p:cNvGrpSpPr/>
+          <p:nvPr/>
+        </p:nvGrpSpPr>
+        <p:grpSpPr>
+          <a:xfrm>
+            <a:off x="890269" y="3837461"/>
+            <a:ext cx="10516188" cy="2421437"/>
+            <a:chOff x="890269" y="3837461"/>
+            <a:chExt cx="10516188" cy="2421437"/>
+          </a:xfrm>
+        </p:grpSpPr>
+        <p:pic>
+          <p:nvPicPr>
+            <p:cNvPr id="7" name="图片 6">
+              <a:extLst>
+                <a:ext uri="{FF2B5EF4-FFF2-40B4-BE49-F238E27FC236}">
+                  <a16:creationId xmlns:a16="http://schemas.microsoft.com/office/drawing/2014/main" id="{2C8857D5-0BE5-4AEE-8645-5CCB2DABB322}"/>
+                </a:ext>
+              </a:extLst>
+            </p:cNvPr>
+            <p:cNvPicPr>
+              <a:picLocks noChangeAspect="1"/>
+            </p:cNvPicPr>
+            <p:nvPr/>
+          </p:nvPicPr>
+          <p:blipFill rotWithShape="1">
+            <a:blip r:embed="rId5">
+              <a:extLst>
+                <a:ext uri="{28A0092B-C50C-407E-A947-70E740481C1C}">
+                  <a14:useLocalDpi xmlns:a14="http://schemas.microsoft.com/office/drawing/2010/main" val="0"/>
+                </a:ext>
+              </a:extLst>
+            </a:blip>
+            <a:srcRect l="9118" t="8736" r="7888" b="6271"/>
+            <a:stretch/>
+          </p:blipFill>
+          <p:spPr>
+            <a:xfrm>
+              <a:off x="890269" y="3837462"/>
+              <a:ext cx="2020915" cy="2411674"/>
+            </a:xfrm>
+            <a:prstGeom prst="rect">
+              <a:avLst/>
+            </a:prstGeom>
+            <a:effectLst>
+              <a:glow rad="228600">
+                <a:schemeClr val="accent3">
+                  <a:satMod val="175000"/>
+                  <a:alpha val="40000"/>
+                </a:schemeClr>
+              </a:glow>
+            </a:effectLst>
+          </p:spPr>
+        </p:pic>
+        <p:pic>
+          <p:nvPicPr>
+            <p:cNvPr id="8" name="图片 7">
+              <a:extLst>
+                <a:ext uri="{FF2B5EF4-FFF2-40B4-BE49-F238E27FC236}">
+                  <a16:creationId xmlns:a16="http://schemas.microsoft.com/office/drawing/2014/main" id="{514633E8-FC37-4DEE-B451-CAB3E3823293}"/>
+                </a:ext>
+              </a:extLst>
+            </p:cNvPr>
+            <p:cNvPicPr>
+              <a:picLocks noChangeAspect="1"/>
+            </p:cNvPicPr>
+            <p:nvPr/>
+          </p:nvPicPr>
+          <p:blipFill rotWithShape="1">
+            <a:blip r:embed="rId6">
+              <a:extLst>
+                <a:ext uri="{28A0092B-C50C-407E-A947-70E740481C1C}">
+                  <a14:useLocalDpi xmlns:a14="http://schemas.microsoft.com/office/drawing/2010/main" val="0"/>
+                </a:ext>
+              </a:extLst>
+            </a:blip>
+            <a:srcRect l="2667" b="7807"/>
+            <a:stretch/>
+          </p:blipFill>
+          <p:spPr>
+            <a:xfrm>
+              <a:off x="3182091" y="3837461"/>
+              <a:ext cx="5006435" cy="2411674"/>
+            </a:xfrm>
+            <a:prstGeom prst="rect">
+              <a:avLst/>
+            </a:prstGeom>
+            <a:effectLst>
+              <a:glow rad="228600">
+                <a:schemeClr val="accent3">
+                  <a:satMod val="175000"/>
+                  <a:alpha val="40000"/>
+                </a:schemeClr>
+              </a:glow>
+            </a:effectLst>
+          </p:spPr>
+        </p:pic>
+        <p:grpSp>
+          <p:nvGrpSpPr>
+            <p:cNvPr id="9" name="组合 8">
+              <a:extLst>
+                <a:ext uri="{FF2B5EF4-FFF2-40B4-BE49-F238E27FC236}">
+                  <a16:creationId xmlns:a16="http://schemas.microsoft.com/office/drawing/2014/main" id="{64F4A7F9-20AB-4D9D-817C-0B645326341A}"/>
+                </a:ext>
+              </a:extLst>
+            </p:cNvPr>
+            <p:cNvGrpSpPr>
+              <a:grpSpLocks noChangeAspect="1"/>
+            </p:cNvGrpSpPr>
+            <p:nvPr/>
+          </p:nvGrpSpPr>
+          <p:grpSpPr>
+            <a:xfrm>
+              <a:off x="8459433" y="3847224"/>
+              <a:ext cx="2947024" cy="2411674"/>
+              <a:chOff x="6375470" y="1653540"/>
+              <a:chExt cx="4472442" cy="3659988"/>
+            </a:xfrm>
+            <a:effectLst>
+              <a:glow rad="228600">
+                <a:schemeClr val="accent3">
+                  <a:satMod val="175000"/>
+                  <a:alpha val="40000"/>
+                </a:schemeClr>
+              </a:glow>
+            </a:effectLst>
+          </p:grpSpPr>
+          <p:pic>
+            <p:nvPicPr>
+              <p:cNvPr id="10" name="图片 9">
+                <a:extLst>
+                  <a:ext uri="{FF2B5EF4-FFF2-40B4-BE49-F238E27FC236}">
+                    <a16:creationId xmlns:a16="http://schemas.microsoft.com/office/drawing/2014/main" id="{91E22E53-4405-4836-A231-D85C69F94073}"/>
+                  </a:ext>
+                </a:extLst>
+              </p:cNvPr>
+              <p:cNvPicPr>
+                <a:picLocks noChangeAspect="1"/>
+              </p:cNvPicPr>
+              <p:nvPr/>
+            </p:nvPicPr>
+            <p:blipFill>
+              <a:blip r:embed="rId2">
+                <a:extLst>
+                  <a:ext uri="{28A0092B-C50C-407E-A947-70E740481C1C}">
+                    <a14:useLocalDpi xmlns:a14="http://schemas.microsoft.com/office/drawing/2010/main" val="0"/>
+                  </a:ext>
+                </a:extLst>
+              </a:blip>
+              <a:stretch>
+                <a:fillRect/>
+              </a:stretch>
+            </p:blipFill>
+            <p:spPr>
+              <a:xfrm>
+                <a:off x="6375470" y="1653540"/>
+                <a:ext cx="4472442" cy="3659988"/>
+              </a:xfrm>
+              <a:prstGeom prst="rect">
+                <a:avLst/>
+              </a:prstGeom>
+            </p:spPr>
+          </p:pic>
+          <p:sp>
+            <p:nvSpPr>
+              <p:cNvPr id="11" name="矩形 10">
+                <a:extLst>
+                  <a:ext uri="{FF2B5EF4-FFF2-40B4-BE49-F238E27FC236}">
+                    <a16:creationId xmlns:a16="http://schemas.microsoft.com/office/drawing/2014/main" id="{5D7010F6-CE20-481F-8250-A134B21F98A6}"/>
+                  </a:ext>
+                </a:extLst>
+              </p:cNvPr>
+              <p:cNvSpPr/>
+              <p:nvPr/>
+            </p:nvSpPr>
+            <p:spPr>
+              <a:xfrm>
+                <a:off x="8094090" y="3209213"/>
+                <a:ext cx="2712456" cy="567139"/>
+              </a:xfrm>
+              <a:prstGeom prst="rect">
+                <a:avLst/>
+              </a:prstGeom>
+              <a:noFill/>
+              <a:ln w="31750">
+                <a:solidFill>
+                  <a:srgbClr val="FF0000"/>
+                </a:solidFill>
+              </a:ln>
+            </p:spPr>
+            <p:style>
+              <a:lnRef idx="2">
+                <a:schemeClr val="accent1">
+                  <a:shade val="50000"/>
+                </a:schemeClr>
+              </a:lnRef>
+              <a:fillRef idx="1">
+                <a:schemeClr val="accent1"/>
+              </a:fillRef>
+              <a:effectRef idx="0">
+                <a:schemeClr val="accent1"/>
+              </a:effectRef>
+              <a:fontRef idx="minor">
+                <a:schemeClr val="lt1"/>
+              </a:fontRef>
+            </p:style>
+            <p:txBody>
+              <a:bodyPr rtlCol="0" anchor="ctr"/>
+              <a:lstStyle/>
+              <a:p>
+                <a:pPr algn="ctr"/>
+                <a:endParaRPr lang="zh-CN" altLang="en-US"/>
+              </a:p>
+            </p:txBody>
+          </p:sp>
+          <p:sp>
+            <p:nvSpPr>
+              <p:cNvPr id="12" name="矩形 11">
+                <a:extLst>
+                  <a:ext uri="{FF2B5EF4-FFF2-40B4-BE49-F238E27FC236}">
+                    <a16:creationId xmlns:a16="http://schemas.microsoft.com/office/drawing/2014/main" id="{66C19152-0869-418B-B921-936D521A4231}"/>
+                  </a:ext>
+                </a:extLst>
+              </p:cNvPr>
+              <p:cNvSpPr/>
+              <p:nvPr/>
+            </p:nvSpPr>
+            <p:spPr>
+              <a:xfrm>
+                <a:off x="8383978" y="3776353"/>
+                <a:ext cx="2422567" cy="475014"/>
+              </a:xfrm>
+              <a:prstGeom prst="rect">
+                <a:avLst/>
+              </a:prstGeom>
+              <a:noFill/>
+              <a:ln w="31750">
+                <a:solidFill>
+                  <a:srgbClr val="FF0000"/>
+                </a:solidFill>
+              </a:ln>
+            </p:spPr>
+            <p:style>
+              <a:lnRef idx="2">
+                <a:schemeClr val="accent1">
+                  <a:shade val="50000"/>
+                </a:schemeClr>
+              </a:lnRef>
+              <a:fillRef idx="1">
+                <a:schemeClr val="accent1"/>
+              </a:fillRef>
+              <a:effectRef idx="0">
+                <a:schemeClr val="accent1"/>
+              </a:effectRef>
+              <a:fontRef idx="minor">
+                <a:schemeClr val="lt1"/>
+              </a:fontRef>
+            </p:style>
+            <p:txBody>
+              <a:bodyPr rtlCol="0" anchor="ctr"/>
+              <a:lstStyle/>
+              <a:p>
+                <a:pPr algn="ctr"/>
+                <a:endParaRPr lang="zh-CN" altLang="en-US"/>
+              </a:p>
+            </p:txBody>
+          </p:sp>
+          <p:sp>
+            <p:nvSpPr>
+              <p:cNvPr id="13" name="矩形 12">
+                <a:extLst>
+                  <a:ext uri="{FF2B5EF4-FFF2-40B4-BE49-F238E27FC236}">
+                    <a16:creationId xmlns:a16="http://schemas.microsoft.com/office/drawing/2014/main" id="{630F9288-2092-461C-9C67-9F3E90BDF7A7}"/>
+                  </a:ext>
+                </a:extLst>
+              </p:cNvPr>
+              <p:cNvSpPr/>
+              <p:nvPr/>
+            </p:nvSpPr>
+            <p:spPr>
+              <a:xfrm>
+                <a:off x="8502732" y="4239491"/>
+                <a:ext cx="2303812" cy="567140"/>
+              </a:xfrm>
+              <a:prstGeom prst="rect">
+                <a:avLst/>
+              </a:prstGeom>
+              <a:noFill/>
+              <a:ln w="31750">
+                <a:solidFill>
+                  <a:srgbClr val="FF0000"/>
+                </a:solidFill>
+              </a:ln>
+            </p:spPr>
+            <p:style>
+              <a:lnRef idx="2">
+                <a:schemeClr val="accent1">
+                  <a:shade val="50000"/>
+                </a:schemeClr>
+              </a:lnRef>
+              <a:fillRef idx="1">
+                <a:schemeClr val="accent1"/>
+              </a:fillRef>
+              <a:effectRef idx="0">
+                <a:schemeClr val="accent1"/>
+              </a:effectRef>
+              <a:fontRef idx="minor">
+                <a:schemeClr val="lt1"/>
+              </a:fontRef>
+            </p:style>
+            <p:txBody>
+              <a:bodyPr rtlCol="0" anchor="ctr"/>
+              <a:lstStyle/>
+              <a:p>
+                <a:pPr algn="ctr"/>
+                <a:endParaRPr lang="zh-CN" altLang="en-US"/>
+              </a:p>
+            </p:txBody>
+          </p:sp>
+        </p:grpSp>
+      </p:grpSp>
+    </p:spTree>
+    <p:extLst>
+      <p:ext uri="{BB962C8B-B14F-4D97-AF65-F5344CB8AC3E}">
+        <p14:creationId xmlns:p14="http://schemas.microsoft.com/office/powerpoint/2010/main" val="1524830686"/>
       </p:ext>
     </p:extLst>
   </p:cSld>
